--- a/게시판 만들기 ppt.pptx
+++ b/게시판 만들기 ppt.pptx
@@ -21,7 +21,13 @@
     <p:sldId id="292" r:id="rId15"/>
     <p:sldId id="291" r:id="rId16"/>
     <p:sldId id="293" r:id="rId17"/>
-    <p:sldId id="289" r:id="rId18"/>
+    <p:sldId id="294" r:id="rId18"/>
+    <p:sldId id="295" r:id="rId19"/>
+    <p:sldId id="296" r:id="rId20"/>
+    <p:sldId id="297" r:id="rId21"/>
+    <p:sldId id="299" r:id="rId22"/>
+    <p:sldId id="300" r:id="rId23"/>
+    <p:sldId id="289" r:id="rId24"/>
   </p:sldIdLst>
   <p:sldSz cx="12192000" cy="6858000"/>
   <p:notesSz cx="6858000" cy="9144000"/>
@@ -275,7 +281,7 @@
           <a:p>
             <a:fld id="{5477855A-78C3-40B5-B443-225449997E61}" type="datetimeFigureOut">
               <a:rPr lang="ko-KR" altLang="en-US" smtClean="0"/>
-              <a:t>2022-07-20</a:t>
+              <a:t>2022-07-21</a:t>
             </a:fld>
             <a:endParaRPr lang="ko-KR" altLang="en-US"/>
           </a:p>
@@ -473,7 +479,7 @@
           <a:p>
             <a:fld id="{5477855A-78C3-40B5-B443-225449997E61}" type="datetimeFigureOut">
               <a:rPr lang="ko-KR" altLang="en-US" smtClean="0"/>
-              <a:t>2022-07-20</a:t>
+              <a:t>2022-07-21</a:t>
             </a:fld>
             <a:endParaRPr lang="ko-KR" altLang="en-US"/>
           </a:p>
@@ -681,7 +687,7 @@
           <a:p>
             <a:fld id="{5477855A-78C3-40B5-B443-225449997E61}" type="datetimeFigureOut">
               <a:rPr lang="ko-KR" altLang="en-US" smtClean="0"/>
-              <a:t>2022-07-20</a:t>
+              <a:t>2022-07-21</a:t>
             </a:fld>
             <a:endParaRPr lang="ko-KR" altLang="en-US"/>
           </a:p>
@@ -879,7 +885,7 @@
           <a:p>
             <a:fld id="{5477855A-78C3-40B5-B443-225449997E61}" type="datetimeFigureOut">
               <a:rPr lang="ko-KR" altLang="en-US" smtClean="0"/>
-              <a:t>2022-07-20</a:t>
+              <a:t>2022-07-21</a:t>
             </a:fld>
             <a:endParaRPr lang="ko-KR" altLang="en-US"/>
           </a:p>
@@ -1154,7 +1160,7 @@
           <a:p>
             <a:fld id="{5477855A-78C3-40B5-B443-225449997E61}" type="datetimeFigureOut">
               <a:rPr lang="ko-KR" altLang="en-US" smtClean="0"/>
-              <a:t>2022-07-20</a:t>
+              <a:t>2022-07-21</a:t>
             </a:fld>
             <a:endParaRPr lang="ko-KR" altLang="en-US"/>
           </a:p>
@@ -1419,7 +1425,7 @@
           <a:p>
             <a:fld id="{5477855A-78C3-40B5-B443-225449997E61}" type="datetimeFigureOut">
               <a:rPr lang="ko-KR" altLang="en-US" smtClean="0"/>
-              <a:t>2022-07-20</a:t>
+              <a:t>2022-07-21</a:t>
             </a:fld>
             <a:endParaRPr lang="ko-KR" altLang="en-US"/>
           </a:p>
@@ -1831,7 +1837,7 @@
           <a:p>
             <a:fld id="{5477855A-78C3-40B5-B443-225449997E61}" type="datetimeFigureOut">
               <a:rPr lang="ko-KR" altLang="en-US" smtClean="0"/>
-              <a:t>2022-07-20</a:t>
+              <a:t>2022-07-21</a:t>
             </a:fld>
             <a:endParaRPr lang="ko-KR" altLang="en-US"/>
           </a:p>
@@ -1972,7 +1978,7 @@
           <a:p>
             <a:fld id="{5477855A-78C3-40B5-B443-225449997E61}" type="datetimeFigureOut">
               <a:rPr lang="ko-KR" altLang="en-US" smtClean="0"/>
-              <a:t>2022-07-20</a:t>
+              <a:t>2022-07-21</a:t>
             </a:fld>
             <a:endParaRPr lang="ko-KR" altLang="en-US"/>
           </a:p>
@@ -2085,7 +2091,7 @@
           <a:p>
             <a:fld id="{5477855A-78C3-40B5-B443-225449997E61}" type="datetimeFigureOut">
               <a:rPr lang="ko-KR" altLang="en-US" smtClean="0"/>
-              <a:t>2022-07-20</a:t>
+              <a:t>2022-07-21</a:t>
             </a:fld>
             <a:endParaRPr lang="ko-KR" altLang="en-US"/>
           </a:p>
@@ -2396,7 +2402,7 @@
           <a:p>
             <a:fld id="{5477855A-78C3-40B5-B443-225449997E61}" type="datetimeFigureOut">
               <a:rPr lang="ko-KR" altLang="en-US" smtClean="0"/>
-              <a:t>2022-07-20</a:t>
+              <a:t>2022-07-21</a:t>
             </a:fld>
             <a:endParaRPr lang="ko-KR" altLang="en-US"/>
           </a:p>
@@ -2684,7 +2690,7 @@
           <a:p>
             <a:fld id="{5477855A-78C3-40B5-B443-225449997E61}" type="datetimeFigureOut">
               <a:rPr lang="ko-KR" altLang="en-US" smtClean="0"/>
-              <a:t>2022-07-20</a:t>
+              <a:t>2022-07-21</a:t>
             </a:fld>
             <a:endParaRPr lang="ko-KR" altLang="en-US"/>
           </a:p>
@@ -2925,7 +2931,7 @@
           <a:p>
             <a:fld id="{5477855A-78C3-40B5-B443-225449997E61}" type="datetimeFigureOut">
               <a:rPr lang="ko-KR" altLang="en-US" smtClean="0"/>
-              <a:t>2022-07-20</a:t>
+              <a:t>2022-07-21</a:t>
             </a:fld>
             <a:endParaRPr lang="ko-KR" altLang="en-US"/>
           </a:p>
@@ -5693,7 +5699,7 @@
           <a:lstStyle/>
           <a:p>
             <a:r>
-              <a:rPr lang="ko-KR" altLang="en-US" sz="1600" kern="0" spc="600">
+              <a:rPr lang="ko-KR" altLang="en-US" sz="1600" kern="0" spc="600" dirty="0">
                 <a:solidFill>
                   <a:srgbClr val="000000"/>
                 </a:solidFill>
@@ -5845,8 +5851,51 @@
         </p:nvSpPr>
         <p:spPr>
           <a:xfrm>
-            <a:off x="-3708400" y="752474"/>
-            <a:ext cx="7612655" cy="2657331"/>
+            <a:off x="933334" y="282390"/>
+            <a:ext cx="10323809" cy="276999"/>
+          </a:xfrm>
+          <a:prstGeom prst="rect">
+            <a:avLst/>
+          </a:prstGeom>
+          <a:noFill/>
+        </p:spPr>
+        <p:txBody>
+          <a:bodyPr wrap="square" rtlCol="0" anchor="ctr">
+            <a:spAutoFit/>
+          </a:bodyPr>
+          <a:lstStyle/>
+          <a:p>
+            <a:pPr algn="ctr"/>
+            <a:r>
+              <a:rPr lang="en-US" sz="1200" kern="0" spc="733" dirty="0">
+                <a:solidFill>
+                  <a:srgbClr val="000000"/>
+                </a:solidFill>
+                <a:latin typeface="Open Sans SemiBold" pitchFamily="34" charset="0"/>
+                <a:cs typeface="Open Sans SemiBold" pitchFamily="34" charset="0"/>
+              </a:rPr>
+              <a:t>code</a:t>
+            </a:r>
+            <a:endParaRPr lang="en-US" sz="1200" dirty="0"/>
+          </a:p>
+        </p:txBody>
+      </p:sp>
+      <p:sp>
+        <p:nvSpPr>
+          <p:cNvPr id="18" name="Object 4">
+            <a:extLst>
+              <a:ext uri="{FF2B5EF4-FFF2-40B4-BE49-F238E27FC236}">
+                <a16:creationId xmlns:a16="http://schemas.microsoft.com/office/drawing/2014/main" id="{F1DD2AD1-AE73-E0B4-7578-7252C3D44BD0}"/>
+              </a:ext>
+            </a:extLst>
+          </p:cNvPr>
+          <p:cNvSpPr txBox="1"/>
+          <p:nvPr/>
+        </p:nvSpPr>
+        <p:spPr>
+          <a:xfrm>
+            <a:off x="203201" y="1333279"/>
+            <a:ext cx="7772939" cy="338554"/>
           </a:xfrm>
           <a:prstGeom prst="rect">
             <a:avLst/>
@@ -5859,31 +5908,81 @@
           </a:bodyPr>
           <a:lstStyle/>
           <a:p>
-            <a:pPr algn="r"/>
-            <a:r>
-              <a:rPr lang="en-US" sz="16668" dirty="0">
-                <a:solidFill>
-                  <a:srgbClr val="000000"/>
-                </a:solidFill>
-                <a:latin typeface="Open Sans SemiBold" pitchFamily="34" charset="0"/>
-                <a:cs typeface="Open Sans SemiBold" pitchFamily="34" charset="0"/>
-              </a:rPr>
-              <a:t>05.</a:t>
-            </a:r>
-            <a:endParaRPr lang="en-US" sz="16668" dirty="0"/>
-          </a:p>
-        </p:txBody>
-      </p:sp>
-      <p:sp>
-        <p:nvSpPr>
-          <p:cNvPr id="3" name="Object 3"/>
+            <a:r>
+              <a:rPr lang="ko-KR" altLang="en-US" sz="1600" kern="0" spc="600" dirty="0">
+                <a:solidFill>
+                  <a:srgbClr val="000000"/>
+                </a:solidFill>
+                <a:latin typeface="휴먼아미체" panose="02030504000101010101" pitchFamily="18" charset="-127"/>
+                <a:ea typeface="휴먼아미체" panose="02030504000101010101" pitchFamily="18" charset="-127"/>
+                <a:cs typeface="Open Sans SemiBold" pitchFamily="34" charset="0"/>
+              </a:rPr>
+              <a:t>▶  </a:t>
+            </a:r>
+            <a:r>
+              <a:rPr lang="en-US" altLang="ko-KR" sz="1600" kern="0" spc="600" dirty="0" err="1">
+                <a:solidFill>
+                  <a:srgbClr val="000000"/>
+                </a:solidFill>
+                <a:latin typeface="휴먼둥근헤드라인" panose="02030504000101010101" pitchFamily="18" charset="-127"/>
+                <a:ea typeface="휴먼둥근헤드라인" panose="02030504000101010101" pitchFamily="18" charset="-127"/>
+                <a:cs typeface="Open Sans SemiBold" pitchFamily="34" charset="0"/>
+              </a:rPr>
+              <a:t>BoardDTO</a:t>
+            </a:r>
+            <a:endParaRPr lang="en-US" sz="1600" dirty="0">
+              <a:latin typeface="휴먼둥근헤드라인" panose="02030504000101010101" pitchFamily="18" charset="-127"/>
+              <a:ea typeface="휴먼둥근헤드라인" panose="02030504000101010101" pitchFamily="18" charset="-127"/>
+            </a:endParaRPr>
+          </a:p>
+        </p:txBody>
+      </p:sp>
+      <p:pic>
+        <p:nvPicPr>
+          <p:cNvPr id="14" name="그림 13">
+            <a:extLst>
+              <a:ext uri="{FF2B5EF4-FFF2-40B4-BE49-F238E27FC236}">
+                <a16:creationId xmlns:a16="http://schemas.microsoft.com/office/drawing/2014/main" id="{BE5E10EA-09D6-C223-5493-333EC3499D0B}"/>
+              </a:ext>
+            </a:extLst>
+          </p:cNvPr>
+          <p:cNvPicPr>
+            <a:picLocks noChangeAspect="1"/>
+          </p:cNvPicPr>
+          <p:nvPr/>
+        </p:nvPicPr>
+        <p:blipFill>
+          <a:blip r:embed="rId2"/>
+          <a:stretch>
+            <a:fillRect/>
+          </a:stretch>
+        </p:blipFill>
+        <p:spPr>
+          <a:xfrm>
+            <a:off x="329315" y="4858808"/>
+            <a:ext cx="1786720" cy="1716802"/>
+          </a:xfrm>
+          <a:prstGeom prst="rect">
+            <a:avLst/>
+          </a:prstGeom>
+        </p:spPr>
+      </p:pic>
+      <p:sp>
+        <p:nvSpPr>
+          <p:cNvPr id="9" name="Object 4">
+            <a:extLst>
+              <a:ext uri="{FF2B5EF4-FFF2-40B4-BE49-F238E27FC236}">
+                <a16:creationId xmlns:a16="http://schemas.microsoft.com/office/drawing/2014/main" id="{32956F4C-3EB1-571D-F6AB-4DA99A3B5320}"/>
+              </a:ext>
+            </a:extLst>
+          </p:cNvPr>
           <p:cNvSpPr txBox="1"/>
           <p:nvPr/>
         </p:nvSpPr>
         <p:spPr>
           <a:xfrm>
-            <a:off x="4165600" y="2667000"/>
-            <a:ext cx="9799967" cy="1302985"/>
+            <a:off x="5268686" y="5836674"/>
+            <a:ext cx="4071361" cy="338554"/>
           </a:xfrm>
           <a:prstGeom prst="rect">
             <a:avLst/>
@@ -5897,68 +5996,610 @@
           <a:lstStyle/>
           <a:p>
             <a:r>
-              <a:rPr lang="en-US" sz="7867" kern="0" spc="533" dirty="0">
-                <a:solidFill>
-                  <a:srgbClr val="000000"/>
-                </a:solidFill>
-                <a:latin typeface="Open Sans SemiBold" pitchFamily="34" charset="0"/>
-                <a:cs typeface="Open Sans SemiBold" pitchFamily="34" charset="0"/>
-              </a:rPr>
-              <a:t>Commenting</a:t>
-            </a:r>
-          </a:p>
-        </p:txBody>
-      </p:sp>
-      <p:sp>
-        <p:nvSpPr>
-          <p:cNvPr id="4" name="Object 4"/>
-          <p:cNvSpPr txBox="1"/>
-          <p:nvPr/>
-        </p:nvSpPr>
-        <p:spPr>
-          <a:xfrm>
-            <a:off x="933334" y="282390"/>
-            <a:ext cx="10323809" cy="276999"/>
-          </a:xfrm>
-          <a:prstGeom prst="rect">
-            <a:avLst/>
-          </a:prstGeom>
-          <a:noFill/>
-        </p:spPr>
-        <p:txBody>
-          <a:bodyPr wrap="square" rtlCol="0" anchor="ctr">
-            <a:spAutoFit/>
-          </a:bodyPr>
-          <a:lstStyle/>
-          <a:p>
-            <a:pPr algn="ctr"/>
-            <a:r>
-              <a:rPr lang="en-US" sz="1200" kern="0" spc="733" dirty="0">
-                <a:solidFill>
-                  <a:srgbClr val="000000"/>
-                </a:solidFill>
-                <a:latin typeface="Open Sans SemiBold" pitchFamily="34" charset="0"/>
-                <a:cs typeface="Open Sans SemiBold" pitchFamily="34" charset="0"/>
-              </a:rPr>
-              <a:t>Last</a:t>
-            </a:r>
-            <a:endParaRPr lang="en-US" sz="1200" dirty="0"/>
-          </a:p>
-        </p:txBody>
-      </p:sp>
+              <a:rPr lang="ko-KR" altLang="en-US" sz="1600" kern="0" spc="600" dirty="0">
+                <a:solidFill>
+                  <a:srgbClr val="000000"/>
+                </a:solidFill>
+                <a:latin typeface="휴먼아미체" panose="02030504000101010101" pitchFamily="18" charset="-127"/>
+                <a:ea typeface="휴먼아미체" panose="02030504000101010101" pitchFamily="18" charset="-127"/>
+                <a:cs typeface="Open Sans SemiBold" pitchFamily="34" charset="0"/>
+              </a:rPr>
+              <a:t>게시판에 사용되는 변수 및 메서드</a:t>
+            </a:r>
+            <a:endParaRPr lang="en-US" sz="1600" dirty="0">
+              <a:latin typeface="휴먼둥근헤드라인" panose="02030504000101010101" pitchFamily="18" charset="-127"/>
+              <a:ea typeface="휴먼둥근헤드라인" panose="02030504000101010101" pitchFamily="18" charset="-127"/>
+            </a:endParaRPr>
+          </a:p>
+        </p:txBody>
+      </p:sp>
+      <p:pic>
+        <p:nvPicPr>
+          <p:cNvPr id="4" name="그림 3" descr="텍스트이(가) 표시된 사진&#10;&#10;자동 생성된 설명">
+            <a:extLst>
+              <a:ext uri="{FF2B5EF4-FFF2-40B4-BE49-F238E27FC236}">
+                <a16:creationId xmlns:a16="http://schemas.microsoft.com/office/drawing/2014/main" id="{FE23905C-56A9-9C45-F15B-15055FEC7FC2}"/>
+              </a:ext>
+            </a:extLst>
+          </p:cNvPr>
+          <p:cNvPicPr>
+            <a:picLocks noChangeAspect="1"/>
+          </p:cNvPicPr>
+          <p:nvPr/>
+        </p:nvPicPr>
+        <p:blipFill>
+          <a:blip r:embed="rId3">
+            <a:extLst>
+              <a:ext uri="{28A0092B-C50C-407E-A947-70E740481C1C}">
+                <a14:useLocalDpi xmlns:a14="http://schemas.microsoft.com/office/drawing/2010/main" val="0"/>
+              </a:ext>
+            </a:extLst>
+          </a:blip>
+          <a:stretch>
+            <a:fillRect/>
+          </a:stretch>
+        </p:blipFill>
+        <p:spPr>
+          <a:xfrm>
+            <a:off x="4346025" y="1080586"/>
+            <a:ext cx="5503827" cy="4182634"/>
+          </a:xfrm>
+          <a:prstGeom prst="rect">
+            <a:avLst/>
+          </a:prstGeom>
+        </p:spPr>
+      </p:pic>
     </p:spTree>
     <p:extLst>
       <p:ext uri="{BB962C8B-B14F-4D97-AF65-F5344CB8AC3E}">
-        <p14:creationId xmlns:p14="http://schemas.microsoft.com/office/powerpoint/2010/main" val="2026834988"/>
+        <p14:creationId xmlns:p14="http://schemas.microsoft.com/office/powerpoint/2010/main" val="984617836"/>
       </p:ext>
     </p:extLst>
   </p:cSld>
   <p:clrMapOvr>
     <a:masterClrMapping/>
   </p:clrMapOvr>
-  <p:transition spd="slow">
-    <p:push dir="u"/>
-  </p:transition>
+  <mc:AlternateContent xmlns:mc="http://schemas.openxmlformats.org/markup-compatibility/2006" xmlns:p14="http://schemas.microsoft.com/office/powerpoint/2010/main">
+    <mc:Choice Requires="p14">
+      <p:transition spd="slow" p14:dur="800">
+        <p14:flythrough/>
+      </p:transition>
+    </mc:Choice>
+    <mc:Fallback xmlns="">
+      <p:transition spd="slow">
+        <p:fade/>
+      </p:transition>
+    </mc:Fallback>
+  </mc:AlternateContent>
+</p:sld>
+</file>
+
+<file path=ppt/slides/slide18.xml><?xml version="1.0" encoding="utf-8"?>
+<p:sld xmlns:a="http://schemas.openxmlformats.org/drawingml/2006/main" xmlns:r="http://schemas.openxmlformats.org/officeDocument/2006/relationships" xmlns:p="http://schemas.openxmlformats.org/presentationml/2006/main">
+  <p:cSld>
+    <p:spTree>
+      <p:nvGrpSpPr>
+        <p:cNvPr id="1" name=""/>
+        <p:cNvGrpSpPr/>
+        <p:nvPr/>
+      </p:nvGrpSpPr>
+      <p:grpSpPr>
+        <a:xfrm>
+          <a:off x="0" y="0"/>
+          <a:ext cx="0" cy="0"/>
+          <a:chOff x="0" y="0"/>
+          <a:chExt cx="0" cy="0"/>
+        </a:xfrm>
+      </p:grpSpPr>
+      <p:sp>
+        <p:nvSpPr>
+          <p:cNvPr id="2" name="Object 2"/>
+          <p:cNvSpPr txBox="1"/>
+          <p:nvPr/>
+        </p:nvSpPr>
+        <p:spPr>
+          <a:xfrm>
+            <a:off x="933334" y="282390"/>
+            <a:ext cx="10323809" cy="276999"/>
+          </a:xfrm>
+          <a:prstGeom prst="rect">
+            <a:avLst/>
+          </a:prstGeom>
+          <a:noFill/>
+        </p:spPr>
+        <p:txBody>
+          <a:bodyPr wrap="square" rtlCol="0" anchor="ctr">
+            <a:spAutoFit/>
+          </a:bodyPr>
+          <a:lstStyle/>
+          <a:p>
+            <a:pPr algn="ctr"/>
+            <a:r>
+              <a:rPr lang="en-US" sz="1200" kern="0" spc="733" dirty="0">
+                <a:solidFill>
+                  <a:srgbClr val="000000"/>
+                </a:solidFill>
+                <a:latin typeface="Open Sans SemiBold" pitchFamily="34" charset="0"/>
+                <a:cs typeface="Open Sans SemiBold" pitchFamily="34" charset="0"/>
+              </a:rPr>
+              <a:t>code</a:t>
+            </a:r>
+            <a:endParaRPr lang="en-US" sz="1200" dirty="0"/>
+          </a:p>
+        </p:txBody>
+      </p:sp>
+      <p:sp>
+        <p:nvSpPr>
+          <p:cNvPr id="18" name="Object 4">
+            <a:extLst>
+              <a:ext uri="{FF2B5EF4-FFF2-40B4-BE49-F238E27FC236}">
+                <a16:creationId xmlns:a16="http://schemas.microsoft.com/office/drawing/2014/main" id="{F1DD2AD1-AE73-E0B4-7578-7252C3D44BD0}"/>
+              </a:ext>
+            </a:extLst>
+          </p:cNvPr>
+          <p:cNvSpPr txBox="1"/>
+          <p:nvPr/>
+        </p:nvSpPr>
+        <p:spPr>
+          <a:xfrm>
+            <a:off x="203201" y="1333279"/>
+            <a:ext cx="7772939" cy="338554"/>
+          </a:xfrm>
+          <a:prstGeom prst="rect">
+            <a:avLst/>
+          </a:prstGeom>
+          <a:noFill/>
+        </p:spPr>
+        <p:txBody>
+          <a:bodyPr wrap="square" rtlCol="0" anchor="t">
+            <a:spAutoFit/>
+          </a:bodyPr>
+          <a:lstStyle/>
+          <a:p>
+            <a:r>
+              <a:rPr lang="ko-KR" altLang="en-US" sz="1600" kern="0" spc="600" dirty="0">
+                <a:solidFill>
+                  <a:srgbClr val="000000"/>
+                </a:solidFill>
+                <a:latin typeface="휴먼아미체" panose="02030504000101010101" pitchFamily="18" charset="-127"/>
+                <a:ea typeface="휴먼아미체" panose="02030504000101010101" pitchFamily="18" charset="-127"/>
+                <a:cs typeface="Open Sans SemiBold" pitchFamily="34" charset="0"/>
+              </a:rPr>
+              <a:t>▶  </a:t>
+            </a:r>
+            <a:r>
+              <a:rPr lang="en-US" altLang="ko-KR" sz="1600" kern="0" spc="600" dirty="0" err="1">
+                <a:solidFill>
+                  <a:srgbClr val="000000"/>
+                </a:solidFill>
+                <a:latin typeface="휴먼둥근헤드라인" panose="02030504000101010101" pitchFamily="18" charset="-127"/>
+                <a:ea typeface="휴먼둥근헤드라인" panose="02030504000101010101" pitchFamily="18" charset="-127"/>
+                <a:cs typeface="Open Sans SemiBold" pitchFamily="34" charset="0"/>
+              </a:rPr>
+              <a:t>BoardDAO</a:t>
+            </a:r>
+            <a:endParaRPr lang="en-US" sz="1600" dirty="0">
+              <a:latin typeface="휴먼둥근헤드라인" panose="02030504000101010101" pitchFamily="18" charset="-127"/>
+              <a:ea typeface="휴먼둥근헤드라인" panose="02030504000101010101" pitchFamily="18" charset="-127"/>
+            </a:endParaRPr>
+          </a:p>
+        </p:txBody>
+      </p:sp>
+      <p:pic>
+        <p:nvPicPr>
+          <p:cNvPr id="14" name="그림 13">
+            <a:extLst>
+              <a:ext uri="{FF2B5EF4-FFF2-40B4-BE49-F238E27FC236}">
+                <a16:creationId xmlns:a16="http://schemas.microsoft.com/office/drawing/2014/main" id="{BE5E10EA-09D6-C223-5493-333EC3499D0B}"/>
+              </a:ext>
+            </a:extLst>
+          </p:cNvPr>
+          <p:cNvPicPr>
+            <a:picLocks noChangeAspect="1"/>
+          </p:cNvPicPr>
+          <p:nvPr/>
+        </p:nvPicPr>
+        <p:blipFill>
+          <a:blip r:embed="rId2"/>
+          <a:stretch>
+            <a:fillRect/>
+          </a:stretch>
+        </p:blipFill>
+        <p:spPr>
+          <a:xfrm>
+            <a:off x="329315" y="4858808"/>
+            <a:ext cx="1786720" cy="1716802"/>
+          </a:xfrm>
+          <a:prstGeom prst="rect">
+            <a:avLst/>
+          </a:prstGeom>
+        </p:spPr>
+      </p:pic>
+      <p:sp>
+        <p:nvSpPr>
+          <p:cNvPr id="9" name="Object 4">
+            <a:extLst>
+              <a:ext uri="{FF2B5EF4-FFF2-40B4-BE49-F238E27FC236}">
+                <a16:creationId xmlns:a16="http://schemas.microsoft.com/office/drawing/2014/main" id="{32956F4C-3EB1-571D-F6AB-4DA99A3B5320}"/>
+              </a:ext>
+            </a:extLst>
+          </p:cNvPr>
+          <p:cNvSpPr txBox="1"/>
+          <p:nvPr/>
+        </p:nvSpPr>
+        <p:spPr>
+          <a:xfrm>
+            <a:off x="5156391" y="5717209"/>
+            <a:ext cx="4071361" cy="338554"/>
+          </a:xfrm>
+          <a:prstGeom prst="rect">
+            <a:avLst/>
+          </a:prstGeom>
+          <a:noFill/>
+        </p:spPr>
+        <p:txBody>
+          <a:bodyPr wrap="square" rtlCol="0" anchor="t">
+            <a:spAutoFit/>
+          </a:bodyPr>
+          <a:lstStyle/>
+          <a:p>
+            <a:r>
+              <a:rPr lang="en-US" altLang="ko-KR" sz="1600" kern="0" spc="600" dirty="0">
+                <a:solidFill>
+                  <a:srgbClr val="000000"/>
+                </a:solidFill>
+                <a:latin typeface="휴먼아미체" panose="02030504000101010101" pitchFamily="18" charset="-127"/>
+                <a:ea typeface="휴먼아미체" panose="02030504000101010101" pitchFamily="18" charset="-127"/>
+                <a:cs typeface="Open Sans SemiBold" pitchFamily="34" charset="0"/>
+              </a:rPr>
+              <a:t>JDBC H2</a:t>
+            </a:r>
+            <a:r>
+              <a:rPr lang="ko-KR" altLang="en-US" sz="1600" kern="0" spc="600" dirty="0">
+                <a:solidFill>
+                  <a:srgbClr val="000000"/>
+                </a:solidFill>
+                <a:latin typeface="휴먼아미체" panose="02030504000101010101" pitchFamily="18" charset="-127"/>
+                <a:ea typeface="휴먼아미체" panose="02030504000101010101" pitchFamily="18" charset="-127"/>
+                <a:cs typeface="Open Sans SemiBold" pitchFamily="34" charset="0"/>
+              </a:rPr>
+              <a:t> </a:t>
+            </a:r>
+            <a:r>
+              <a:rPr lang="en-US" altLang="ko-KR" sz="1600" kern="0" spc="600" dirty="0">
+                <a:solidFill>
+                  <a:srgbClr val="000000"/>
+                </a:solidFill>
+                <a:latin typeface="휴먼아미체" panose="02030504000101010101" pitchFamily="18" charset="-127"/>
+                <a:ea typeface="휴먼아미체" panose="02030504000101010101" pitchFamily="18" charset="-127"/>
+                <a:cs typeface="Open Sans SemiBold" pitchFamily="34" charset="0"/>
+              </a:rPr>
+              <a:t>DRIVER</a:t>
+            </a:r>
+            <a:r>
+              <a:rPr lang="ko-KR" altLang="en-US" sz="1600" kern="0" spc="600" dirty="0">
+                <a:solidFill>
+                  <a:srgbClr val="000000"/>
+                </a:solidFill>
+                <a:latin typeface="휴먼아미체" panose="02030504000101010101" pitchFamily="18" charset="-127"/>
+                <a:ea typeface="휴먼아미체" panose="02030504000101010101" pitchFamily="18" charset="-127"/>
+                <a:cs typeface="Open Sans SemiBold" pitchFamily="34" charset="0"/>
+              </a:rPr>
+              <a:t>연결</a:t>
+            </a:r>
+            <a:endParaRPr lang="en-US" sz="1600" dirty="0">
+              <a:latin typeface="휴먼둥근헤드라인" panose="02030504000101010101" pitchFamily="18" charset="-127"/>
+              <a:ea typeface="휴먼둥근헤드라인" panose="02030504000101010101" pitchFamily="18" charset="-127"/>
+            </a:endParaRPr>
+          </a:p>
+        </p:txBody>
+      </p:sp>
+      <p:pic>
+        <p:nvPicPr>
+          <p:cNvPr id="10" name="그림 9" descr="텍스트이(가) 표시된 사진&#10;&#10;자동 생성된 설명">
+            <a:extLst>
+              <a:ext uri="{FF2B5EF4-FFF2-40B4-BE49-F238E27FC236}">
+                <a16:creationId xmlns:a16="http://schemas.microsoft.com/office/drawing/2014/main" id="{6E0BC410-F568-25F7-8803-5AC4ED1DC4EB}"/>
+              </a:ext>
+            </a:extLst>
+          </p:cNvPr>
+          <p:cNvPicPr>
+            <a:picLocks noChangeAspect="1"/>
+          </p:cNvPicPr>
+          <p:nvPr/>
+        </p:nvPicPr>
+        <p:blipFill>
+          <a:blip r:embed="rId3">
+            <a:extLst>
+              <a:ext uri="{28A0092B-C50C-407E-A947-70E740481C1C}">
+                <a14:useLocalDpi xmlns:a14="http://schemas.microsoft.com/office/drawing/2010/main" val="0"/>
+              </a:ext>
+            </a:extLst>
+          </a:blip>
+          <a:stretch>
+            <a:fillRect/>
+          </a:stretch>
+        </p:blipFill>
+        <p:spPr>
+          <a:xfrm>
+            <a:off x="4253697" y="1671833"/>
+            <a:ext cx="5086350" cy="3381375"/>
+          </a:xfrm>
+          <a:prstGeom prst="rect">
+            <a:avLst/>
+          </a:prstGeom>
+        </p:spPr>
+      </p:pic>
+    </p:spTree>
+    <p:extLst>
+      <p:ext uri="{BB962C8B-B14F-4D97-AF65-F5344CB8AC3E}">
+        <p14:creationId xmlns:p14="http://schemas.microsoft.com/office/powerpoint/2010/main" val="3150169012"/>
+      </p:ext>
+    </p:extLst>
+  </p:cSld>
+  <p:clrMapOvr>
+    <a:masterClrMapping/>
+  </p:clrMapOvr>
+  <mc:AlternateContent xmlns:mc="http://schemas.openxmlformats.org/markup-compatibility/2006" xmlns:p14="http://schemas.microsoft.com/office/powerpoint/2010/main">
+    <mc:Choice Requires="p14">
+      <p:transition spd="slow" p14:dur="800">
+        <p14:flythrough/>
+      </p:transition>
+    </mc:Choice>
+    <mc:Fallback xmlns="">
+      <p:transition spd="slow">
+        <p:fade/>
+      </p:transition>
+    </mc:Fallback>
+  </mc:AlternateContent>
+</p:sld>
+</file>
+
+<file path=ppt/slides/slide19.xml><?xml version="1.0" encoding="utf-8"?>
+<p:sld xmlns:a="http://schemas.openxmlformats.org/drawingml/2006/main" xmlns:r="http://schemas.openxmlformats.org/officeDocument/2006/relationships" xmlns:p="http://schemas.openxmlformats.org/presentationml/2006/main">
+  <p:cSld>
+    <p:spTree>
+      <p:nvGrpSpPr>
+        <p:cNvPr id="1" name=""/>
+        <p:cNvGrpSpPr/>
+        <p:nvPr/>
+      </p:nvGrpSpPr>
+      <p:grpSpPr>
+        <a:xfrm>
+          <a:off x="0" y="0"/>
+          <a:ext cx="0" cy="0"/>
+          <a:chOff x="0" y="0"/>
+          <a:chExt cx="0" cy="0"/>
+        </a:xfrm>
+      </p:grpSpPr>
+      <p:sp>
+        <p:nvSpPr>
+          <p:cNvPr id="2" name="Object 2"/>
+          <p:cNvSpPr txBox="1"/>
+          <p:nvPr/>
+        </p:nvSpPr>
+        <p:spPr>
+          <a:xfrm>
+            <a:off x="933334" y="282390"/>
+            <a:ext cx="10323809" cy="276999"/>
+          </a:xfrm>
+          <a:prstGeom prst="rect">
+            <a:avLst/>
+          </a:prstGeom>
+          <a:noFill/>
+        </p:spPr>
+        <p:txBody>
+          <a:bodyPr wrap="square" rtlCol="0" anchor="ctr">
+            <a:spAutoFit/>
+          </a:bodyPr>
+          <a:lstStyle/>
+          <a:p>
+            <a:pPr algn="ctr"/>
+            <a:r>
+              <a:rPr lang="en-US" sz="1200" kern="0" spc="733" dirty="0">
+                <a:solidFill>
+                  <a:srgbClr val="000000"/>
+                </a:solidFill>
+                <a:latin typeface="Open Sans SemiBold" pitchFamily="34" charset="0"/>
+                <a:cs typeface="Open Sans SemiBold" pitchFamily="34" charset="0"/>
+              </a:rPr>
+              <a:t>code</a:t>
+            </a:r>
+            <a:endParaRPr lang="en-US" sz="1200" dirty="0"/>
+          </a:p>
+        </p:txBody>
+      </p:sp>
+      <p:sp>
+        <p:nvSpPr>
+          <p:cNvPr id="18" name="Object 4">
+            <a:extLst>
+              <a:ext uri="{FF2B5EF4-FFF2-40B4-BE49-F238E27FC236}">
+                <a16:creationId xmlns:a16="http://schemas.microsoft.com/office/drawing/2014/main" id="{F1DD2AD1-AE73-E0B4-7578-7252C3D44BD0}"/>
+              </a:ext>
+            </a:extLst>
+          </p:cNvPr>
+          <p:cNvSpPr txBox="1"/>
+          <p:nvPr/>
+        </p:nvSpPr>
+        <p:spPr>
+          <a:xfrm>
+            <a:off x="203201" y="1333279"/>
+            <a:ext cx="7772939" cy="338554"/>
+          </a:xfrm>
+          <a:prstGeom prst="rect">
+            <a:avLst/>
+          </a:prstGeom>
+          <a:noFill/>
+        </p:spPr>
+        <p:txBody>
+          <a:bodyPr wrap="square" rtlCol="0" anchor="t">
+            <a:spAutoFit/>
+          </a:bodyPr>
+          <a:lstStyle/>
+          <a:p>
+            <a:r>
+              <a:rPr lang="ko-KR" altLang="en-US" sz="1600" kern="0" spc="600" dirty="0">
+                <a:solidFill>
+                  <a:srgbClr val="000000"/>
+                </a:solidFill>
+                <a:latin typeface="휴먼아미체" panose="02030504000101010101" pitchFamily="18" charset="-127"/>
+                <a:ea typeface="휴먼아미체" panose="02030504000101010101" pitchFamily="18" charset="-127"/>
+                <a:cs typeface="Open Sans SemiBold" pitchFamily="34" charset="0"/>
+              </a:rPr>
+              <a:t>▶  </a:t>
+            </a:r>
+            <a:r>
+              <a:rPr lang="en-US" altLang="ko-KR" sz="1600" kern="0" spc="600" dirty="0" err="1">
+                <a:solidFill>
+                  <a:srgbClr val="000000"/>
+                </a:solidFill>
+                <a:latin typeface="휴먼둥근헤드라인" panose="02030504000101010101" pitchFamily="18" charset="-127"/>
+                <a:ea typeface="휴먼둥근헤드라인" panose="02030504000101010101" pitchFamily="18" charset="-127"/>
+                <a:cs typeface="Open Sans SemiBold" pitchFamily="34" charset="0"/>
+              </a:rPr>
+              <a:t>BoardDAO</a:t>
+            </a:r>
+            <a:endParaRPr lang="en-US" sz="1600" dirty="0">
+              <a:latin typeface="휴먼둥근헤드라인" panose="02030504000101010101" pitchFamily="18" charset="-127"/>
+              <a:ea typeface="휴먼둥근헤드라인" panose="02030504000101010101" pitchFamily="18" charset="-127"/>
+            </a:endParaRPr>
+          </a:p>
+        </p:txBody>
+      </p:sp>
+      <p:pic>
+        <p:nvPicPr>
+          <p:cNvPr id="14" name="그림 13">
+            <a:extLst>
+              <a:ext uri="{FF2B5EF4-FFF2-40B4-BE49-F238E27FC236}">
+                <a16:creationId xmlns:a16="http://schemas.microsoft.com/office/drawing/2014/main" id="{BE5E10EA-09D6-C223-5493-333EC3499D0B}"/>
+              </a:ext>
+            </a:extLst>
+          </p:cNvPr>
+          <p:cNvPicPr>
+            <a:picLocks noChangeAspect="1"/>
+          </p:cNvPicPr>
+          <p:nvPr/>
+        </p:nvPicPr>
+        <p:blipFill>
+          <a:blip r:embed="rId2"/>
+          <a:stretch>
+            <a:fillRect/>
+          </a:stretch>
+        </p:blipFill>
+        <p:spPr>
+          <a:xfrm>
+            <a:off x="329315" y="4858808"/>
+            <a:ext cx="1786720" cy="1716802"/>
+          </a:xfrm>
+          <a:prstGeom prst="rect">
+            <a:avLst/>
+          </a:prstGeom>
+        </p:spPr>
+      </p:pic>
+      <p:sp>
+        <p:nvSpPr>
+          <p:cNvPr id="9" name="Object 4">
+            <a:extLst>
+              <a:ext uri="{FF2B5EF4-FFF2-40B4-BE49-F238E27FC236}">
+                <a16:creationId xmlns:a16="http://schemas.microsoft.com/office/drawing/2014/main" id="{32956F4C-3EB1-571D-F6AB-4DA99A3B5320}"/>
+              </a:ext>
+            </a:extLst>
+          </p:cNvPr>
+          <p:cNvSpPr txBox="1"/>
+          <p:nvPr/>
+        </p:nvSpPr>
+        <p:spPr>
+          <a:xfrm>
+            <a:off x="5220560" y="5797690"/>
+            <a:ext cx="4071361" cy="584775"/>
+          </a:xfrm>
+          <a:prstGeom prst="rect">
+            <a:avLst/>
+          </a:prstGeom>
+          <a:noFill/>
+        </p:spPr>
+        <p:txBody>
+          <a:bodyPr wrap="square" rtlCol="0" anchor="t">
+            <a:spAutoFit/>
+          </a:bodyPr>
+          <a:lstStyle/>
+          <a:p>
+            <a:r>
+              <a:rPr lang="ko-KR" altLang="en-US" sz="1600" kern="0" spc="600" dirty="0">
+                <a:solidFill>
+                  <a:srgbClr val="000000"/>
+                </a:solidFill>
+                <a:latin typeface="휴먼아미체" panose="02030504000101010101" pitchFamily="18" charset="-127"/>
+                <a:ea typeface="휴먼아미체" panose="02030504000101010101" pitchFamily="18" charset="-127"/>
+                <a:cs typeface="Open Sans SemiBold" pitchFamily="34" charset="0"/>
+              </a:rPr>
+              <a:t>현재 시간 알려주는 함수 및 게시글 번호 순서 함수</a:t>
+            </a:r>
+            <a:endParaRPr lang="en-US" sz="1600" dirty="0">
+              <a:latin typeface="휴먼둥근헤드라인" panose="02030504000101010101" pitchFamily="18" charset="-127"/>
+              <a:ea typeface="휴먼둥근헤드라인" panose="02030504000101010101" pitchFamily="18" charset="-127"/>
+            </a:endParaRPr>
+          </a:p>
+        </p:txBody>
+      </p:sp>
+      <p:pic>
+        <p:nvPicPr>
+          <p:cNvPr id="5" name="그림 4" descr="텍스트이(가) 표시된 사진&#10;&#10;자동 생성된 설명">
+            <a:extLst>
+              <a:ext uri="{FF2B5EF4-FFF2-40B4-BE49-F238E27FC236}">
+                <a16:creationId xmlns:a16="http://schemas.microsoft.com/office/drawing/2014/main" id="{B522869D-0DE1-281B-1B48-2A7A670673D0}"/>
+              </a:ext>
+            </a:extLst>
+          </p:cNvPr>
+          <p:cNvPicPr>
+            <a:picLocks noChangeAspect="1"/>
+          </p:cNvPicPr>
+          <p:nvPr/>
+        </p:nvPicPr>
+        <p:blipFill>
+          <a:blip r:embed="rId3">
+            <a:extLst>
+              <a:ext uri="{28A0092B-C50C-407E-A947-70E740481C1C}">
+                <a14:useLocalDpi xmlns:a14="http://schemas.microsoft.com/office/drawing/2010/main" val="0"/>
+              </a:ext>
+            </a:extLst>
+          </a:blip>
+          <a:stretch>
+            <a:fillRect/>
+          </a:stretch>
+        </p:blipFill>
+        <p:spPr>
+          <a:xfrm>
+            <a:off x="4304297" y="1333279"/>
+            <a:ext cx="4610100" cy="4029075"/>
+          </a:xfrm>
+          <a:prstGeom prst="rect">
+            <a:avLst/>
+          </a:prstGeom>
+        </p:spPr>
+      </p:pic>
+    </p:spTree>
+    <p:extLst>
+      <p:ext uri="{BB962C8B-B14F-4D97-AF65-F5344CB8AC3E}">
+        <p14:creationId xmlns:p14="http://schemas.microsoft.com/office/powerpoint/2010/main" val="2240838575"/>
+      </p:ext>
+    </p:extLst>
+  </p:cSld>
+  <p:clrMapOvr>
+    <a:masterClrMapping/>
+  </p:clrMapOvr>
+  <mc:AlternateContent xmlns:mc="http://schemas.openxmlformats.org/markup-compatibility/2006" xmlns:p14="http://schemas.microsoft.com/office/powerpoint/2010/main">
+    <mc:Choice Requires="p14">
+      <p:transition spd="slow" p14:dur="800">
+        <p14:flythrough/>
+      </p:transition>
+    </mc:Choice>
+    <mc:Fallback xmlns="">
+      <p:transition spd="slow">
+        <p:fade/>
+      </p:transition>
+    </mc:Fallback>
+  </mc:AlternateContent>
 </p:sld>
 </file>
 
@@ -6436,6 +7077,1016 @@
 </p:sld>
 </file>
 
+<file path=ppt/slides/slide20.xml><?xml version="1.0" encoding="utf-8"?>
+<p:sld xmlns:a="http://schemas.openxmlformats.org/drawingml/2006/main" xmlns:r="http://schemas.openxmlformats.org/officeDocument/2006/relationships" xmlns:p="http://schemas.openxmlformats.org/presentationml/2006/main">
+  <p:cSld>
+    <p:spTree>
+      <p:nvGrpSpPr>
+        <p:cNvPr id="1" name=""/>
+        <p:cNvGrpSpPr/>
+        <p:nvPr/>
+      </p:nvGrpSpPr>
+      <p:grpSpPr>
+        <a:xfrm>
+          <a:off x="0" y="0"/>
+          <a:ext cx="0" cy="0"/>
+          <a:chOff x="0" y="0"/>
+          <a:chExt cx="0" cy="0"/>
+        </a:xfrm>
+      </p:grpSpPr>
+      <p:sp>
+        <p:nvSpPr>
+          <p:cNvPr id="2" name="Object 2"/>
+          <p:cNvSpPr txBox="1"/>
+          <p:nvPr/>
+        </p:nvSpPr>
+        <p:spPr>
+          <a:xfrm>
+            <a:off x="933334" y="282390"/>
+            <a:ext cx="10323809" cy="276999"/>
+          </a:xfrm>
+          <a:prstGeom prst="rect">
+            <a:avLst/>
+          </a:prstGeom>
+          <a:noFill/>
+        </p:spPr>
+        <p:txBody>
+          <a:bodyPr wrap="square" rtlCol="0" anchor="ctr">
+            <a:spAutoFit/>
+          </a:bodyPr>
+          <a:lstStyle/>
+          <a:p>
+            <a:pPr algn="ctr"/>
+            <a:r>
+              <a:rPr lang="en-US" sz="1200" kern="0" spc="733" dirty="0">
+                <a:solidFill>
+                  <a:srgbClr val="000000"/>
+                </a:solidFill>
+                <a:latin typeface="Open Sans SemiBold" pitchFamily="34" charset="0"/>
+                <a:cs typeface="Open Sans SemiBold" pitchFamily="34" charset="0"/>
+              </a:rPr>
+              <a:t>code</a:t>
+            </a:r>
+            <a:endParaRPr lang="en-US" sz="1200" dirty="0"/>
+          </a:p>
+        </p:txBody>
+      </p:sp>
+      <p:sp>
+        <p:nvSpPr>
+          <p:cNvPr id="18" name="Object 4">
+            <a:extLst>
+              <a:ext uri="{FF2B5EF4-FFF2-40B4-BE49-F238E27FC236}">
+                <a16:creationId xmlns:a16="http://schemas.microsoft.com/office/drawing/2014/main" id="{F1DD2AD1-AE73-E0B4-7578-7252C3D44BD0}"/>
+              </a:ext>
+            </a:extLst>
+          </p:cNvPr>
+          <p:cNvSpPr txBox="1"/>
+          <p:nvPr/>
+        </p:nvSpPr>
+        <p:spPr>
+          <a:xfrm>
+            <a:off x="203201" y="1333279"/>
+            <a:ext cx="7772939" cy="338554"/>
+          </a:xfrm>
+          <a:prstGeom prst="rect">
+            <a:avLst/>
+          </a:prstGeom>
+          <a:noFill/>
+        </p:spPr>
+        <p:txBody>
+          <a:bodyPr wrap="square" rtlCol="0" anchor="t">
+            <a:spAutoFit/>
+          </a:bodyPr>
+          <a:lstStyle/>
+          <a:p>
+            <a:r>
+              <a:rPr lang="ko-KR" altLang="en-US" sz="1600" kern="0" spc="600" dirty="0">
+                <a:solidFill>
+                  <a:srgbClr val="000000"/>
+                </a:solidFill>
+                <a:latin typeface="휴먼아미체" panose="02030504000101010101" pitchFamily="18" charset="-127"/>
+                <a:ea typeface="휴먼아미체" panose="02030504000101010101" pitchFamily="18" charset="-127"/>
+                <a:cs typeface="Open Sans SemiBold" pitchFamily="34" charset="0"/>
+              </a:rPr>
+              <a:t>▶  </a:t>
+            </a:r>
+            <a:r>
+              <a:rPr lang="en-US" altLang="ko-KR" sz="1600" kern="0" spc="600" dirty="0" err="1">
+                <a:solidFill>
+                  <a:srgbClr val="000000"/>
+                </a:solidFill>
+                <a:latin typeface="휴먼둥근헤드라인" panose="02030504000101010101" pitchFamily="18" charset="-127"/>
+                <a:ea typeface="휴먼둥근헤드라인" panose="02030504000101010101" pitchFamily="18" charset="-127"/>
+                <a:cs typeface="Open Sans SemiBold" pitchFamily="34" charset="0"/>
+              </a:rPr>
+              <a:t>BoardDAO</a:t>
+            </a:r>
+            <a:endParaRPr lang="en-US" sz="1600" dirty="0">
+              <a:latin typeface="휴먼둥근헤드라인" panose="02030504000101010101" pitchFamily="18" charset="-127"/>
+              <a:ea typeface="휴먼둥근헤드라인" panose="02030504000101010101" pitchFamily="18" charset="-127"/>
+            </a:endParaRPr>
+          </a:p>
+        </p:txBody>
+      </p:sp>
+      <p:pic>
+        <p:nvPicPr>
+          <p:cNvPr id="14" name="그림 13">
+            <a:extLst>
+              <a:ext uri="{FF2B5EF4-FFF2-40B4-BE49-F238E27FC236}">
+                <a16:creationId xmlns:a16="http://schemas.microsoft.com/office/drawing/2014/main" id="{BE5E10EA-09D6-C223-5493-333EC3499D0B}"/>
+              </a:ext>
+            </a:extLst>
+          </p:cNvPr>
+          <p:cNvPicPr>
+            <a:picLocks noChangeAspect="1"/>
+          </p:cNvPicPr>
+          <p:nvPr/>
+        </p:nvPicPr>
+        <p:blipFill>
+          <a:blip r:embed="rId2"/>
+          <a:stretch>
+            <a:fillRect/>
+          </a:stretch>
+        </p:blipFill>
+        <p:spPr>
+          <a:xfrm>
+            <a:off x="329315" y="4858808"/>
+            <a:ext cx="1786720" cy="1716802"/>
+          </a:xfrm>
+          <a:prstGeom prst="rect">
+            <a:avLst/>
+          </a:prstGeom>
+        </p:spPr>
+      </p:pic>
+      <p:sp>
+        <p:nvSpPr>
+          <p:cNvPr id="9" name="Object 4">
+            <a:extLst>
+              <a:ext uri="{FF2B5EF4-FFF2-40B4-BE49-F238E27FC236}">
+                <a16:creationId xmlns:a16="http://schemas.microsoft.com/office/drawing/2014/main" id="{32956F4C-3EB1-571D-F6AB-4DA99A3B5320}"/>
+              </a:ext>
+            </a:extLst>
+          </p:cNvPr>
+          <p:cNvSpPr txBox="1"/>
+          <p:nvPr/>
+        </p:nvSpPr>
+        <p:spPr>
+          <a:xfrm>
+            <a:off x="5268686" y="5836674"/>
+            <a:ext cx="4885967" cy="338554"/>
+          </a:xfrm>
+          <a:prstGeom prst="rect">
+            <a:avLst/>
+          </a:prstGeom>
+          <a:noFill/>
+        </p:spPr>
+        <p:txBody>
+          <a:bodyPr wrap="square" rtlCol="0" anchor="t">
+            <a:spAutoFit/>
+          </a:bodyPr>
+          <a:lstStyle/>
+          <a:p>
+            <a:r>
+              <a:rPr lang="ko-KR" altLang="en-US" sz="1600" kern="0" spc="600" dirty="0">
+                <a:solidFill>
+                  <a:srgbClr val="000000"/>
+                </a:solidFill>
+                <a:latin typeface="휴먼아미체" panose="02030504000101010101" pitchFamily="18" charset="-127"/>
+                <a:ea typeface="휴먼아미체" panose="02030504000101010101" pitchFamily="18" charset="-127"/>
+                <a:cs typeface="Open Sans SemiBold" pitchFamily="34" charset="0"/>
+              </a:rPr>
+              <a:t>글 생성</a:t>
+            </a:r>
+            <a:r>
+              <a:rPr lang="en-US" altLang="ko-KR" sz="1600" kern="0" spc="600" dirty="0">
+                <a:solidFill>
+                  <a:srgbClr val="000000"/>
+                </a:solidFill>
+                <a:latin typeface="휴먼아미체" panose="02030504000101010101" pitchFamily="18" charset="-127"/>
+                <a:ea typeface="휴먼아미체" panose="02030504000101010101" pitchFamily="18" charset="-127"/>
+                <a:cs typeface="Open Sans SemiBold" pitchFamily="34" charset="0"/>
+              </a:rPr>
+              <a:t>(CREATE)</a:t>
+            </a:r>
+            <a:r>
+              <a:rPr lang="ko-KR" altLang="en-US" sz="1600" kern="0" spc="600" dirty="0">
+                <a:solidFill>
+                  <a:srgbClr val="000000"/>
+                </a:solidFill>
+                <a:latin typeface="휴먼아미체" panose="02030504000101010101" pitchFamily="18" charset="-127"/>
+                <a:ea typeface="휴먼아미체" panose="02030504000101010101" pitchFamily="18" charset="-127"/>
+                <a:cs typeface="Open Sans SemiBold" pitchFamily="34" charset="0"/>
+              </a:rPr>
+              <a:t> 함수와 페이지 처리 함수들 </a:t>
+            </a:r>
+            <a:endParaRPr lang="en-US" sz="1600" dirty="0">
+              <a:latin typeface="휴먼둥근헤드라인" panose="02030504000101010101" pitchFamily="18" charset="-127"/>
+              <a:ea typeface="휴먼둥근헤드라인" panose="02030504000101010101" pitchFamily="18" charset="-127"/>
+            </a:endParaRPr>
+          </a:p>
+        </p:txBody>
+      </p:sp>
+      <p:pic>
+        <p:nvPicPr>
+          <p:cNvPr id="4" name="그림 3" descr="텍스트이(가) 표시된 사진&#10;&#10;자동 생성된 설명">
+            <a:extLst>
+              <a:ext uri="{FF2B5EF4-FFF2-40B4-BE49-F238E27FC236}">
+                <a16:creationId xmlns:a16="http://schemas.microsoft.com/office/drawing/2014/main" id="{1601771C-676F-3555-1866-5017201D4BC6}"/>
+              </a:ext>
+            </a:extLst>
+          </p:cNvPr>
+          <p:cNvPicPr>
+            <a:picLocks noChangeAspect="1"/>
+          </p:cNvPicPr>
+          <p:nvPr/>
+        </p:nvPicPr>
+        <p:blipFill>
+          <a:blip r:embed="rId3">
+            <a:extLst>
+              <a:ext uri="{28A0092B-C50C-407E-A947-70E740481C1C}">
+                <a14:useLocalDpi xmlns:a14="http://schemas.microsoft.com/office/drawing/2010/main" val="0"/>
+              </a:ext>
+            </a:extLst>
+          </a:blip>
+          <a:stretch>
+            <a:fillRect/>
+          </a:stretch>
+        </p:blipFill>
+        <p:spPr>
+          <a:xfrm>
+            <a:off x="2843417" y="1333279"/>
+            <a:ext cx="3814058" cy="3976658"/>
+          </a:xfrm>
+          <a:prstGeom prst="rect">
+            <a:avLst/>
+          </a:prstGeom>
+        </p:spPr>
+      </p:pic>
+      <p:pic>
+        <p:nvPicPr>
+          <p:cNvPr id="6" name="그림 5" descr="텍스트이(가) 표시된 사진&#10;&#10;자동 생성된 설명">
+            <a:extLst>
+              <a:ext uri="{FF2B5EF4-FFF2-40B4-BE49-F238E27FC236}">
+                <a16:creationId xmlns:a16="http://schemas.microsoft.com/office/drawing/2014/main" id="{70688144-3912-7D8F-DADC-12860230FF6D}"/>
+              </a:ext>
+            </a:extLst>
+          </p:cNvPr>
+          <p:cNvPicPr>
+            <a:picLocks noChangeAspect="1"/>
+          </p:cNvPicPr>
+          <p:nvPr/>
+        </p:nvPicPr>
+        <p:blipFill>
+          <a:blip r:embed="rId4">
+            <a:extLst>
+              <a:ext uri="{28A0092B-C50C-407E-A947-70E740481C1C}">
+                <a14:useLocalDpi xmlns:a14="http://schemas.microsoft.com/office/drawing/2010/main" val="0"/>
+              </a:ext>
+            </a:extLst>
+          </a:blip>
+          <a:stretch>
+            <a:fillRect/>
+          </a:stretch>
+        </p:blipFill>
+        <p:spPr>
+          <a:xfrm>
+            <a:off x="6849979" y="2285513"/>
+            <a:ext cx="5342021" cy="2072189"/>
+          </a:xfrm>
+          <a:prstGeom prst="rect">
+            <a:avLst/>
+          </a:prstGeom>
+        </p:spPr>
+      </p:pic>
+    </p:spTree>
+    <p:extLst>
+      <p:ext uri="{BB962C8B-B14F-4D97-AF65-F5344CB8AC3E}">
+        <p14:creationId xmlns:p14="http://schemas.microsoft.com/office/powerpoint/2010/main" val="746849345"/>
+      </p:ext>
+    </p:extLst>
+  </p:cSld>
+  <p:clrMapOvr>
+    <a:masterClrMapping/>
+  </p:clrMapOvr>
+  <mc:AlternateContent xmlns:mc="http://schemas.openxmlformats.org/markup-compatibility/2006" xmlns:p14="http://schemas.microsoft.com/office/powerpoint/2010/main">
+    <mc:Choice Requires="p14">
+      <p:transition spd="slow" p14:dur="800">
+        <p14:flythrough/>
+      </p:transition>
+    </mc:Choice>
+    <mc:Fallback xmlns="">
+      <p:transition spd="slow">
+        <p:fade/>
+      </p:transition>
+    </mc:Fallback>
+  </mc:AlternateContent>
+</p:sld>
+</file>
+
+<file path=ppt/slides/slide21.xml><?xml version="1.0" encoding="utf-8"?>
+<p:sld xmlns:a="http://schemas.openxmlformats.org/drawingml/2006/main" xmlns:r="http://schemas.openxmlformats.org/officeDocument/2006/relationships" xmlns:p="http://schemas.openxmlformats.org/presentationml/2006/main">
+  <p:cSld>
+    <p:spTree>
+      <p:nvGrpSpPr>
+        <p:cNvPr id="1" name=""/>
+        <p:cNvGrpSpPr/>
+        <p:nvPr/>
+      </p:nvGrpSpPr>
+      <p:grpSpPr>
+        <a:xfrm>
+          <a:off x="0" y="0"/>
+          <a:ext cx="0" cy="0"/>
+          <a:chOff x="0" y="0"/>
+          <a:chExt cx="0" cy="0"/>
+        </a:xfrm>
+      </p:grpSpPr>
+      <p:sp>
+        <p:nvSpPr>
+          <p:cNvPr id="2" name="Object 2"/>
+          <p:cNvSpPr txBox="1"/>
+          <p:nvPr/>
+        </p:nvSpPr>
+        <p:spPr>
+          <a:xfrm>
+            <a:off x="933334" y="282390"/>
+            <a:ext cx="10323809" cy="276999"/>
+          </a:xfrm>
+          <a:prstGeom prst="rect">
+            <a:avLst/>
+          </a:prstGeom>
+          <a:noFill/>
+        </p:spPr>
+        <p:txBody>
+          <a:bodyPr wrap="square" rtlCol="0" anchor="ctr">
+            <a:spAutoFit/>
+          </a:bodyPr>
+          <a:lstStyle/>
+          <a:p>
+            <a:pPr algn="ctr"/>
+            <a:r>
+              <a:rPr lang="en-US" sz="1200" kern="0" spc="733" dirty="0">
+                <a:solidFill>
+                  <a:srgbClr val="000000"/>
+                </a:solidFill>
+                <a:latin typeface="Open Sans SemiBold" pitchFamily="34" charset="0"/>
+                <a:cs typeface="Open Sans SemiBold" pitchFamily="34" charset="0"/>
+              </a:rPr>
+              <a:t>code</a:t>
+            </a:r>
+            <a:endParaRPr lang="en-US" sz="1200" dirty="0"/>
+          </a:p>
+        </p:txBody>
+      </p:sp>
+      <p:sp>
+        <p:nvSpPr>
+          <p:cNvPr id="18" name="Object 4">
+            <a:extLst>
+              <a:ext uri="{FF2B5EF4-FFF2-40B4-BE49-F238E27FC236}">
+                <a16:creationId xmlns:a16="http://schemas.microsoft.com/office/drawing/2014/main" id="{F1DD2AD1-AE73-E0B4-7578-7252C3D44BD0}"/>
+              </a:ext>
+            </a:extLst>
+          </p:cNvPr>
+          <p:cNvSpPr txBox="1"/>
+          <p:nvPr/>
+        </p:nvSpPr>
+        <p:spPr>
+          <a:xfrm>
+            <a:off x="203201" y="1333279"/>
+            <a:ext cx="7772939" cy="338554"/>
+          </a:xfrm>
+          <a:prstGeom prst="rect">
+            <a:avLst/>
+          </a:prstGeom>
+          <a:noFill/>
+        </p:spPr>
+        <p:txBody>
+          <a:bodyPr wrap="square" rtlCol="0" anchor="t">
+            <a:spAutoFit/>
+          </a:bodyPr>
+          <a:lstStyle/>
+          <a:p>
+            <a:r>
+              <a:rPr lang="ko-KR" altLang="en-US" sz="1600" kern="0" spc="600" dirty="0">
+                <a:solidFill>
+                  <a:srgbClr val="000000"/>
+                </a:solidFill>
+                <a:latin typeface="휴먼아미체" panose="02030504000101010101" pitchFamily="18" charset="-127"/>
+                <a:ea typeface="휴먼아미체" panose="02030504000101010101" pitchFamily="18" charset="-127"/>
+                <a:cs typeface="Open Sans SemiBold" pitchFamily="34" charset="0"/>
+              </a:rPr>
+              <a:t>▶  </a:t>
+            </a:r>
+            <a:r>
+              <a:rPr lang="en-US" altLang="ko-KR" sz="1600" kern="0" spc="600" dirty="0" err="1">
+                <a:solidFill>
+                  <a:srgbClr val="000000"/>
+                </a:solidFill>
+                <a:latin typeface="휴먼둥근헤드라인" panose="02030504000101010101" pitchFamily="18" charset="-127"/>
+                <a:ea typeface="휴먼둥근헤드라인" panose="02030504000101010101" pitchFamily="18" charset="-127"/>
+                <a:cs typeface="Open Sans SemiBold" pitchFamily="34" charset="0"/>
+              </a:rPr>
+              <a:t>BoardDAO</a:t>
+            </a:r>
+            <a:endParaRPr lang="en-US" sz="1600" dirty="0">
+              <a:latin typeface="휴먼둥근헤드라인" panose="02030504000101010101" pitchFamily="18" charset="-127"/>
+              <a:ea typeface="휴먼둥근헤드라인" panose="02030504000101010101" pitchFamily="18" charset="-127"/>
+            </a:endParaRPr>
+          </a:p>
+        </p:txBody>
+      </p:sp>
+      <p:pic>
+        <p:nvPicPr>
+          <p:cNvPr id="14" name="그림 13">
+            <a:extLst>
+              <a:ext uri="{FF2B5EF4-FFF2-40B4-BE49-F238E27FC236}">
+                <a16:creationId xmlns:a16="http://schemas.microsoft.com/office/drawing/2014/main" id="{BE5E10EA-09D6-C223-5493-333EC3499D0B}"/>
+              </a:ext>
+            </a:extLst>
+          </p:cNvPr>
+          <p:cNvPicPr>
+            <a:picLocks noChangeAspect="1"/>
+          </p:cNvPicPr>
+          <p:nvPr/>
+        </p:nvPicPr>
+        <p:blipFill>
+          <a:blip r:embed="rId2"/>
+          <a:stretch>
+            <a:fillRect/>
+          </a:stretch>
+        </p:blipFill>
+        <p:spPr>
+          <a:xfrm>
+            <a:off x="329315" y="4858808"/>
+            <a:ext cx="1786720" cy="1716802"/>
+          </a:xfrm>
+          <a:prstGeom prst="rect">
+            <a:avLst/>
+          </a:prstGeom>
+        </p:spPr>
+      </p:pic>
+      <p:sp>
+        <p:nvSpPr>
+          <p:cNvPr id="9" name="Object 4">
+            <a:extLst>
+              <a:ext uri="{FF2B5EF4-FFF2-40B4-BE49-F238E27FC236}">
+                <a16:creationId xmlns:a16="http://schemas.microsoft.com/office/drawing/2014/main" id="{32956F4C-3EB1-571D-F6AB-4DA99A3B5320}"/>
+              </a:ext>
+            </a:extLst>
+          </p:cNvPr>
+          <p:cNvSpPr txBox="1"/>
+          <p:nvPr/>
+        </p:nvSpPr>
+        <p:spPr>
+          <a:xfrm>
+            <a:off x="5268686" y="5836674"/>
+            <a:ext cx="4071361" cy="338554"/>
+          </a:xfrm>
+          <a:prstGeom prst="rect">
+            <a:avLst/>
+          </a:prstGeom>
+          <a:noFill/>
+        </p:spPr>
+        <p:txBody>
+          <a:bodyPr wrap="square" rtlCol="0" anchor="t">
+            <a:spAutoFit/>
+          </a:bodyPr>
+          <a:lstStyle/>
+          <a:p>
+            <a:r>
+              <a:rPr lang="ko-KR" altLang="en-US" sz="1600" kern="0" spc="600" dirty="0">
+                <a:solidFill>
+                  <a:srgbClr val="000000"/>
+                </a:solidFill>
+                <a:latin typeface="휴먼아미체" panose="02030504000101010101" pitchFamily="18" charset="-127"/>
+                <a:ea typeface="휴먼아미체" panose="02030504000101010101" pitchFamily="18" charset="-127"/>
+                <a:cs typeface="Open Sans SemiBold" pitchFamily="34" charset="0"/>
+              </a:rPr>
+              <a:t>글 읽기</a:t>
+            </a:r>
+            <a:r>
+              <a:rPr lang="en-US" altLang="ko-KR" sz="1600" kern="0" spc="600" dirty="0">
+                <a:solidFill>
+                  <a:srgbClr val="000000"/>
+                </a:solidFill>
+                <a:latin typeface="휴먼아미체" panose="02030504000101010101" pitchFamily="18" charset="-127"/>
+                <a:ea typeface="휴먼아미체" panose="02030504000101010101" pitchFamily="18" charset="-127"/>
+                <a:cs typeface="Open Sans SemiBold" pitchFamily="34" charset="0"/>
+              </a:rPr>
+              <a:t>(READ)</a:t>
+            </a:r>
+            <a:r>
+              <a:rPr lang="ko-KR" altLang="en-US" sz="1600" kern="0" spc="600" dirty="0">
+                <a:solidFill>
+                  <a:srgbClr val="000000"/>
+                </a:solidFill>
+                <a:latin typeface="휴먼아미체" panose="02030504000101010101" pitchFamily="18" charset="-127"/>
+                <a:ea typeface="휴먼아미체" panose="02030504000101010101" pitchFamily="18" charset="-127"/>
+                <a:cs typeface="Open Sans SemiBold" pitchFamily="34" charset="0"/>
+              </a:rPr>
+              <a:t> 함수</a:t>
+            </a:r>
+            <a:endParaRPr lang="en-US" sz="1600" dirty="0">
+              <a:latin typeface="휴먼둥근헤드라인" panose="02030504000101010101" pitchFamily="18" charset="-127"/>
+              <a:ea typeface="휴먼둥근헤드라인" panose="02030504000101010101" pitchFamily="18" charset="-127"/>
+            </a:endParaRPr>
+          </a:p>
+        </p:txBody>
+      </p:sp>
+      <p:pic>
+        <p:nvPicPr>
+          <p:cNvPr id="4" name="그림 3" descr="텍스트이(가) 표시된 사진&#10;&#10;자동 생성된 설명">
+            <a:extLst>
+              <a:ext uri="{FF2B5EF4-FFF2-40B4-BE49-F238E27FC236}">
+                <a16:creationId xmlns:a16="http://schemas.microsoft.com/office/drawing/2014/main" id="{FE23905C-56A9-9C45-F15B-15055FEC7FC2}"/>
+              </a:ext>
+            </a:extLst>
+          </p:cNvPr>
+          <p:cNvPicPr>
+            <a:picLocks noChangeAspect="1"/>
+          </p:cNvPicPr>
+          <p:nvPr/>
+        </p:nvPicPr>
+        <p:blipFill>
+          <a:blip r:embed="rId3">
+            <a:extLst>
+              <a:ext uri="{28A0092B-C50C-407E-A947-70E740481C1C}">
+                <a14:useLocalDpi xmlns:a14="http://schemas.microsoft.com/office/drawing/2010/main" val="0"/>
+              </a:ext>
+            </a:extLst>
+          </a:blip>
+          <a:stretch>
+            <a:fillRect/>
+          </a:stretch>
+        </p:blipFill>
+        <p:spPr>
+          <a:xfrm>
+            <a:off x="4346025" y="1080586"/>
+            <a:ext cx="5503827" cy="4182634"/>
+          </a:xfrm>
+          <a:prstGeom prst="rect">
+            <a:avLst/>
+          </a:prstGeom>
+        </p:spPr>
+      </p:pic>
+    </p:spTree>
+    <p:extLst>
+      <p:ext uri="{BB962C8B-B14F-4D97-AF65-F5344CB8AC3E}">
+        <p14:creationId xmlns:p14="http://schemas.microsoft.com/office/powerpoint/2010/main" val="2265739307"/>
+      </p:ext>
+    </p:extLst>
+  </p:cSld>
+  <p:clrMapOvr>
+    <a:masterClrMapping/>
+  </p:clrMapOvr>
+  <mc:AlternateContent xmlns:mc="http://schemas.openxmlformats.org/markup-compatibility/2006">
+    <mc:Choice xmlns:p14="http://schemas.microsoft.com/office/powerpoint/2010/main" Requires="p14">
+      <p:transition spd="slow" p14:dur="800">
+        <p14:flythrough/>
+      </p:transition>
+    </mc:Choice>
+    <mc:Fallback>
+      <p:transition spd="slow">
+        <p:fade/>
+      </p:transition>
+    </mc:Fallback>
+  </mc:AlternateContent>
+</p:sld>
+</file>
+
+<file path=ppt/slides/slide22.xml><?xml version="1.0" encoding="utf-8"?>
+<p:sld xmlns:a="http://schemas.openxmlformats.org/drawingml/2006/main" xmlns:r="http://schemas.openxmlformats.org/officeDocument/2006/relationships" xmlns:p="http://schemas.openxmlformats.org/presentationml/2006/main">
+  <p:cSld>
+    <p:spTree>
+      <p:nvGrpSpPr>
+        <p:cNvPr id="1" name=""/>
+        <p:cNvGrpSpPr/>
+        <p:nvPr/>
+      </p:nvGrpSpPr>
+      <p:grpSpPr>
+        <a:xfrm>
+          <a:off x="0" y="0"/>
+          <a:ext cx="0" cy="0"/>
+          <a:chOff x="0" y="0"/>
+          <a:chExt cx="0" cy="0"/>
+        </a:xfrm>
+      </p:grpSpPr>
+      <p:sp>
+        <p:nvSpPr>
+          <p:cNvPr id="2" name="Object 2"/>
+          <p:cNvSpPr txBox="1"/>
+          <p:nvPr/>
+        </p:nvSpPr>
+        <p:spPr>
+          <a:xfrm>
+            <a:off x="933334" y="282390"/>
+            <a:ext cx="10323809" cy="276999"/>
+          </a:xfrm>
+          <a:prstGeom prst="rect">
+            <a:avLst/>
+          </a:prstGeom>
+          <a:noFill/>
+        </p:spPr>
+        <p:txBody>
+          <a:bodyPr wrap="square" rtlCol="0" anchor="ctr">
+            <a:spAutoFit/>
+          </a:bodyPr>
+          <a:lstStyle/>
+          <a:p>
+            <a:pPr algn="ctr"/>
+            <a:r>
+              <a:rPr lang="en-US" sz="1200" kern="0" spc="733" dirty="0">
+                <a:solidFill>
+                  <a:srgbClr val="000000"/>
+                </a:solidFill>
+                <a:latin typeface="Open Sans SemiBold" pitchFamily="34" charset="0"/>
+                <a:cs typeface="Open Sans SemiBold" pitchFamily="34" charset="0"/>
+              </a:rPr>
+              <a:t>code</a:t>
+            </a:r>
+            <a:endParaRPr lang="en-US" sz="1200" dirty="0"/>
+          </a:p>
+        </p:txBody>
+      </p:sp>
+      <p:sp>
+        <p:nvSpPr>
+          <p:cNvPr id="18" name="Object 4">
+            <a:extLst>
+              <a:ext uri="{FF2B5EF4-FFF2-40B4-BE49-F238E27FC236}">
+                <a16:creationId xmlns:a16="http://schemas.microsoft.com/office/drawing/2014/main" id="{F1DD2AD1-AE73-E0B4-7578-7252C3D44BD0}"/>
+              </a:ext>
+            </a:extLst>
+          </p:cNvPr>
+          <p:cNvSpPr txBox="1"/>
+          <p:nvPr/>
+        </p:nvSpPr>
+        <p:spPr>
+          <a:xfrm>
+            <a:off x="203201" y="1333279"/>
+            <a:ext cx="7772939" cy="338554"/>
+          </a:xfrm>
+          <a:prstGeom prst="rect">
+            <a:avLst/>
+          </a:prstGeom>
+          <a:noFill/>
+        </p:spPr>
+        <p:txBody>
+          <a:bodyPr wrap="square" rtlCol="0" anchor="t">
+            <a:spAutoFit/>
+          </a:bodyPr>
+          <a:lstStyle/>
+          <a:p>
+            <a:r>
+              <a:rPr lang="ko-KR" altLang="en-US" sz="1600" kern="0" spc="600" dirty="0">
+                <a:solidFill>
+                  <a:srgbClr val="000000"/>
+                </a:solidFill>
+                <a:latin typeface="휴먼아미체" panose="02030504000101010101" pitchFamily="18" charset="-127"/>
+                <a:ea typeface="휴먼아미체" panose="02030504000101010101" pitchFamily="18" charset="-127"/>
+                <a:cs typeface="Open Sans SemiBold" pitchFamily="34" charset="0"/>
+              </a:rPr>
+              <a:t>▶  </a:t>
+            </a:r>
+            <a:r>
+              <a:rPr lang="en-US" altLang="ko-KR" sz="1600" kern="0" spc="600" dirty="0" err="1">
+                <a:solidFill>
+                  <a:srgbClr val="000000"/>
+                </a:solidFill>
+                <a:latin typeface="휴먼둥근헤드라인" panose="02030504000101010101" pitchFamily="18" charset="-127"/>
+                <a:ea typeface="휴먼둥근헤드라인" panose="02030504000101010101" pitchFamily="18" charset="-127"/>
+                <a:cs typeface="Open Sans SemiBold" pitchFamily="34" charset="0"/>
+              </a:rPr>
+              <a:t>BoardDAO</a:t>
+            </a:r>
+            <a:endParaRPr lang="en-US" sz="1600" dirty="0">
+              <a:latin typeface="휴먼둥근헤드라인" panose="02030504000101010101" pitchFamily="18" charset="-127"/>
+              <a:ea typeface="휴먼둥근헤드라인" panose="02030504000101010101" pitchFamily="18" charset="-127"/>
+            </a:endParaRPr>
+          </a:p>
+        </p:txBody>
+      </p:sp>
+      <p:pic>
+        <p:nvPicPr>
+          <p:cNvPr id="14" name="그림 13">
+            <a:extLst>
+              <a:ext uri="{FF2B5EF4-FFF2-40B4-BE49-F238E27FC236}">
+                <a16:creationId xmlns:a16="http://schemas.microsoft.com/office/drawing/2014/main" id="{BE5E10EA-09D6-C223-5493-333EC3499D0B}"/>
+              </a:ext>
+            </a:extLst>
+          </p:cNvPr>
+          <p:cNvPicPr>
+            <a:picLocks noChangeAspect="1"/>
+          </p:cNvPicPr>
+          <p:nvPr/>
+        </p:nvPicPr>
+        <p:blipFill>
+          <a:blip r:embed="rId2"/>
+          <a:stretch>
+            <a:fillRect/>
+          </a:stretch>
+        </p:blipFill>
+        <p:spPr>
+          <a:xfrm>
+            <a:off x="329315" y="4858808"/>
+            <a:ext cx="1786720" cy="1716802"/>
+          </a:xfrm>
+          <a:prstGeom prst="rect">
+            <a:avLst/>
+          </a:prstGeom>
+        </p:spPr>
+      </p:pic>
+      <p:sp>
+        <p:nvSpPr>
+          <p:cNvPr id="9" name="Object 4">
+            <a:extLst>
+              <a:ext uri="{FF2B5EF4-FFF2-40B4-BE49-F238E27FC236}">
+                <a16:creationId xmlns:a16="http://schemas.microsoft.com/office/drawing/2014/main" id="{32956F4C-3EB1-571D-F6AB-4DA99A3B5320}"/>
+              </a:ext>
+            </a:extLst>
+          </p:cNvPr>
+          <p:cNvSpPr txBox="1"/>
+          <p:nvPr/>
+        </p:nvSpPr>
+        <p:spPr>
+          <a:xfrm>
+            <a:off x="4278657" y="5731430"/>
+            <a:ext cx="4885967" cy="338554"/>
+          </a:xfrm>
+          <a:prstGeom prst="rect">
+            <a:avLst/>
+          </a:prstGeom>
+          <a:noFill/>
+        </p:spPr>
+        <p:txBody>
+          <a:bodyPr wrap="square" rtlCol="0" anchor="t">
+            <a:spAutoFit/>
+          </a:bodyPr>
+          <a:lstStyle/>
+          <a:p>
+            <a:r>
+              <a:rPr lang="ko-KR" altLang="en-US" sz="1600" kern="0" spc="600" dirty="0">
+                <a:solidFill>
+                  <a:srgbClr val="000000"/>
+                </a:solidFill>
+                <a:latin typeface="휴먼아미체" panose="02030504000101010101" pitchFamily="18" charset="-127"/>
+                <a:ea typeface="휴먼아미체" panose="02030504000101010101" pitchFamily="18" charset="-127"/>
+                <a:cs typeface="Open Sans SemiBold" pitchFamily="34" charset="0"/>
+              </a:rPr>
+              <a:t>글 갱신</a:t>
+            </a:r>
+            <a:r>
+              <a:rPr lang="en-US" altLang="ko-KR" sz="1600" kern="0" spc="600" dirty="0">
+                <a:solidFill>
+                  <a:srgbClr val="000000"/>
+                </a:solidFill>
+                <a:latin typeface="휴먼아미체" panose="02030504000101010101" pitchFamily="18" charset="-127"/>
+                <a:ea typeface="휴먼아미체" panose="02030504000101010101" pitchFamily="18" charset="-127"/>
+                <a:cs typeface="Open Sans SemiBold" pitchFamily="34" charset="0"/>
+              </a:rPr>
+              <a:t>(UPDATE) </a:t>
+            </a:r>
+            <a:r>
+              <a:rPr lang="ko-KR" altLang="en-US" sz="1600" kern="0" spc="600" dirty="0">
+                <a:solidFill>
+                  <a:srgbClr val="000000"/>
+                </a:solidFill>
+                <a:latin typeface="휴먼아미체" panose="02030504000101010101" pitchFamily="18" charset="-127"/>
+                <a:ea typeface="휴먼아미체" panose="02030504000101010101" pitchFamily="18" charset="-127"/>
+                <a:cs typeface="Open Sans SemiBold" pitchFamily="34" charset="0"/>
+              </a:rPr>
+              <a:t>및 삭제</a:t>
+            </a:r>
+            <a:r>
+              <a:rPr lang="en-US" altLang="ko-KR" sz="1600" kern="0" spc="600" dirty="0">
+                <a:solidFill>
+                  <a:srgbClr val="000000"/>
+                </a:solidFill>
+                <a:latin typeface="휴먼아미체" panose="02030504000101010101" pitchFamily="18" charset="-127"/>
+                <a:ea typeface="휴먼아미체" panose="02030504000101010101" pitchFamily="18" charset="-127"/>
+                <a:cs typeface="Open Sans SemiBold" pitchFamily="34" charset="0"/>
+              </a:rPr>
+              <a:t>(DELETE) </a:t>
+            </a:r>
+            <a:r>
+              <a:rPr lang="ko-KR" altLang="en-US" sz="1600" kern="0" spc="600" dirty="0">
+                <a:solidFill>
+                  <a:srgbClr val="000000"/>
+                </a:solidFill>
+                <a:latin typeface="휴먼아미체" panose="02030504000101010101" pitchFamily="18" charset="-127"/>
+                <a:ea typeface="휴먼아미체" panose="02030504000101010101" pitchFamily="18" charset="-127"/>
+                <a:cs typeface="Open Sans SemiBold" pitchFamily="34" charset="0"/>
+              </a:rPr>
+              <a:t>함수</a:t>
+            </a:r>
+            <a:endParaRPr lang="en-US" sz="1600" dirty="0">
+              <a:latin typeface="휴먼둥근헤드라인" panose="02030504000101010101" pitchFamily="18" charset="-127"/>
+              <a:ea typeface="휴먼둥근헤드라인" panose="02030504000101010101" pitchFamily="18" charset="-127"/>
+            </a:endParaRPr>
+          </a:p>
+        </p:txBody>
+      </p:sp>
+      <p:pic>
+        <p:nvPicPr>
+          <p:cNvPr id="5" name="그림 4" descr="텍스트이(가) 표시된 사진&#10;&#10;자동 생성된 설명">
+            <a:extLst>
+              <a:ext uri="{FF2B5EF4-FFF2-40B4-BE49-F238E27FC236}">
+                <a16:creationId xmlns:a16="http://schemas.microsoft.com/office/drawing/2014/main" id="{E0C8F8BD-D732-A9AC-132D-C175D7822E9D}"/>
+              </a:ext>
+            </a:extLst>
+          </p:cNvPr>
+          <p:cNvPicPr>
+            <a:picLocks noChangeAspect="1"/>
+          </p:cNvPicPr>
+          <p:nvPr/>
+        </p:nvPicPr>
+        <p:blipFill>
+          <a:blip r:embed="rId3">
+            <a:extLst>
+              <a:ext uri="{28A0092B-C50C-407E-A947-70E740481C1C}">
+                <a14:useLocalDpi xmlns:a14="http://schemas.microsoft.com/office/drawing/2010/main" val="0"/>
+              </a:ext>
+            </a:extLst>
+          </a:blip>
+          <a:stretch>
+            <a:fillRect/>
+          </a:stretch>
+        </p:blipFill>
+        <p:spPr>
+          <a:xfrm>
+            <a:off x="3621254" y="1333279"/>
+            <a:ext cx="6200775" cy="3581400"/>
+          </a:xfrm>
+          <a:prstGeom prst="rect">
+            <a:avLst/>
+          </a:prstGeom>
+        </p:spPr>
+      </p:pic>
+    </p:spTree>
+    <p:extLst>
+      <p:ext uri="{BB962C8B-B14F-4D97-AF65-F5344CB8AC3E}">
+        <p14:creationId xmlns:p14="http://schemas.microsoft.com/office/powerpoint/2010/main" val="3830116717"/>
+      </p:ext>
+    </p:extLst>
+  </p:cSld>
+  <p:clrMapOvr>
+    <a:masterClrMapping/>
+  </p:clrMapOvr>
+  <mc:AlternateContent xmlns:mc="http://schemas.openxmlformats.org/markup-compatibility/2006">
+    <mc:Choice xmlns:p14="http://schemas.microsoft.com/office/powerpoint/2010/main" Requires="p14">
+      <p:transition spd="slow" p14:dur="800">
+        <p14:flythrough/>
+      </p:transition>
+    </mc:Choice>
+    <mc:Fallback>
+      <p:transition spd="slow">
+        <p:fade/>
+      </p:transition>
+    </mc:Fallback>
+  </mc:AlternateContent>
+</p:sld>
+</file>
+
+<file path=ppt/slides/slide23.xml><?xml version="1.0" encoding="utf-8"?>
+<p:sld xmlns:a="http://schemas.openxmlformats.org/drawingml/2006/main" xmlns:r="http://schemas.openxmlformats.org/officeDocument/2006/relationships" xmlns:p="http://schemas.openxmlformats.org/presentationml/2006/main">
+  <p:cSld>
+    <p:spTree>
+      <p:nvGrpSpPr>
+        <p:cNvPr id="1" name=""/>
+        <p:cNvGrpSpPr/>
+        <p:nvPr/>
+      </p:nvGrpSpPr>
+      <p:grpSpPr>
+        <a:xfrm>
+          <a:off x="0" y="0"/>
+          <a:ext cx="0" cy="0"/>
+          <a:chOff x="0" y="0"/>
+          <a:chExt cx="0" cy="0"/>
+        </a:xfrm>
+      </p:grpSpPr>
+      <p:sp>
+        <p:nvSpPr>
+          <p:cNvPr id="2" name="Object 2"/>
+          <p:cNvSpPr txBox="1"/>
+          <p:nvPr/>
+        </p:nvSpPr>
+        <p:spPr>
+          <a:xfrm>
+            <a:off x="-3708400" y="752474"/>
+            <a:ext cx="7612655" cy="2657331"/>
+          </a:xfrm>
+          <a:prstGeom prst="rect">
+            <a:avLst/>
+          </a:prstGeom>
+          <a:noFill/>
+        </p:spPr>
+        <p:txBody>
+          <a:bodyPr wrap="square" rtlCol="0" anchor="t">
+            <a:spAutoFit/>
+          </a:bodyPr>
+          <a:lstStyle/>
+          <a:p>
+            <a:pPr algn="r"/>
+            <a:r>
+              <a:rPr lang="en-US" sz="16668" dirty="0">
+                <a:solidFill>
+                  <a:srgbClr val="000000"/>
+                </a:solidFill>
+                <a:latin typeface="Open Sans SemiBold" pitchFamily="34" charset="0"/>
+                <a:cs typeface="Open Sans SemiBold" pitchFamily="34" charset="0"/>
+              </a:rPr>
+              <a:t>05.</a:t>
+            </a:r>
+            <a:endParaRPr lang="en-US" sz="16668" dirty="0"/>
+          </a:p>
+        </p:txBody>
+      </p:sp>
+      <p:sp>
+        <p:nvSpPr>
+          <p:cNvPr id="3" name="Object 3"/>
+          <p:cNvSpPr txBox="1"/>
+          <p:nvPr/>
+        </p:nvSpPr>
+        <p:spPr>
+          <a:xfrm>
+            <a:off x="4165600" y="2667000"/>
+            <a:ext cx="9799967" cy="1302985"/>
+          </a:xfrm>
+          <a:prstGeom prst="rect">
+            <a:avLst/>
+          </a:prstGeom>
+          <a:noFill/>
+        </p:spPr>
+        <p:txBody>
+          <a:bodyPr wrap="square" rtlCol="0" anchor="t">
+            <a:spAutoFit/>
+          </a:bodyPr>
+          <a:lstStyle/>
+          <a:p>
+            <a:r>
+              <a:rPr lang="en-US" sz="7867" kern="0" spc="533" dirty="0">
+                <a:solidFill>
+                  <a:srgbClr val="000000"/>
+                </a:solidFill>
+                <a:latin typeface="Open Sans SemiBold" pitchFamily="34" charset="0"/>
+                <a:cs typeface="Open Sans SemiBold" pitchFamily="34" charset="0"/>
+              </a:rPr>
+              <a:t>Commenting</a:t>
+            </a:r>
+          </a:p>
+        </p:txBody>
+      </p:sp>
+      <p:sp>
+        <p:nvSpPr>
+          <p:cNvPr id="4" name="Object 4"/>
+          <p:cNvSpPr txBox="1"/>
+          <p:nvPr/>
+        </p:nvSpPr>
+        <p:spPr>
+          <a:xfrm>
+            <a:off x="933334" y="282390"/>
+            <a:ext cx="10323809" cy="276999"/>
+          </a:xfrm>
+          <a:prstGeom prst="rect">
+            <a:avLst/>
+          </a:prstGeom>
+          <a:noFill/>
+        </p:spPr>
+        <p:txBody>
+          <a:bodyPr wrap="square" rtlCol="0" anchor="ctr">
+            <a:spAutoFit/>
+          </a:bodyPr>
+          <a:lstStyle/>
+          <a:p>
+            <a:pPr algn="ctr"/>
+            <a:r>
+              <a:rPr lang="en-US" sz="1200" kern="0" spc="733" dirty="0">
+                <a:solidFill>
+                  <a:srgbClr val="000000"/>
+                </a:solidFill>
+                <a:latin typeface="Open Sans SemiBold" pitchFamily="34" charset="0"/>
+                <a:cs typeface="Open Sans SemiBold" pitchFamily="34" charset="0"/>
+              </a:rPr>
+              <a:t>Last</a:t>
+            </a:r>
+            <a:endParaRPr lang="en-US" sz="1200" dirty="0"/>
+          </a:p>
+        </p:txBody>
+      </p:sp>
+    </p:spTree>
+    <p:extLst>
+      <p:ext uri="{BB962C8B-B14F-4D97-AF65-F5344CB8AC3E}">
+        <p14:creationId xmlns:p14="http://schemas.microsoft.com/office/powerpoint/2010/main" val="2026834988"/>
+      </p:ext>
+    </p:extLst>
+  </p:cSld>
+  <p:clrMapOvr>
+    <a:masterClrMapping/>
+  </p:clrMapOvr>
+  <p:transition spd="slow">
+    <p:push dir="u"/>
+  </p:transition>
+</p:sld>
+</file>
+
 <file path=ppt/slides/slide3.xml><?xml version="1.0" encoding="utf-8"?>
 <p:sld xmlns:a="http://schemas.openxmlformats.org/drawingml/2006/main" xmlns:r="http://schemas.openxmlformats.org/officeDocument/2006/relationships" xmlns:p="http://schemas.openxmlformats.org/presentationml/2006/main">
   <p:cSld>
@@ -7665,16 +9316,19 @@
                 <a:ea typeface="휴먼아미체" panose="02030504000101010101" pitchFamily="18" charset="-127"/>
                 <a:cs typeface="Open Sans SemiBold" pitchFamily="34" charset="0"/>
               </a:rPr>
-              <a:t>▶</a:t>
-            </a:r>
-            <a:endParaRPr lang="en-US" altLang="ko-KR" sz="1600" kern="0" spc="600" dirty="0">
-              <a:solidFill>
-                <a:srgbClr val="000000"/>
-              </a:solidFill>
-              <a:latin typeface="휴먼둥근헤드라인" panose="02030504000101010101" pitchFamily="18" charset="-127"/>
-              <a:ea typeface="휴먼둥근헤드라인" panose="02030504000101010101" pitchFamily="18" charset="-127"/>
-              <a:cs typeface="Open Sans SemiBold" pitchFamily="34" charset="0"/>
-            </a:endParaRPr>
+              <a:t>▶ </a:t>
+            </a:r>
+            <a:r>
+              <a:rPr lang="en-US" altLang="ko-KR" sz="1600" kern="0" spc="600" dirty="0">
+                <a:solidFill>
+                  <a:srgbClr val="000000"/>
+                </a:solidFill>
+                <a:latin typeface="휴먼둥근헤드라인" panose="02030504000101010101" pitchFamily="18" charset="-127"/>
+                <a:ea typeface="휴먼둥근헤드라인" panose="02030504000101010101" pitchFamily="18" charset="-127"/>
+                <a:cs typeface="Open Sans SemiBold" pitchFamily="34" charset="0"/>
+              </a:rPr>
+              <a:t>  </a:t>
+            </a:r>
           </a:p>
         </p:txBody>
       </p:sp>
